--- a/public/img/SMASH.pptx
+++ b/public/img/SMASH.pptx
@@ -7,6 +7,7 @@
   <p:sldIdLst>
     <p:sldId id="256" r:id="rId2"/>
     <p:sldId id="257" r:id="rId3"/>
+    <p:sldId id="258" r:id="rId4"/>
   </p:sldIdLst>
   <p:sldSz cx="12192000" cy="6858000"/>
   <p:notesSz cx="6858000" cy="9144000"/>
@@ -105,6 +106,11 @@
       </a:defRPr>
     </a:lvl9pPr>
   </p:defaultTextStyle>
+  <p:extLst>
+    <p:ext uri="{EFAFB233-063F-42B5-8137-9DF3F51BA10A}">
+      <p15:sldGuideLst xmlns:p15="http://schemas.microsoft.com/office/powerpoint/2012/main"/>
+    </p:ext>
+  </p:extLst>
 </p:presentation>
 </file>
 
@@ -255,7 +261,7 @@
           <a:p>
             <a:fld id="{1B992516-CDC6-4E3B-8510-A21F9A87DC5D}" type="datetimeFigureOut">
               <a:rPr lang="fr-FR" smtClean="0"/>
-              <a:t>22/11/2023</a:t>
+              <a:t>14/12/2023</a:t>
             </a:fld>
             <a:endParaRPr lang="fr-FR"/>
           </a:p>
@@ -453,7 +459,7 @@
           <a:p>
             <a:fld id="{1B992516-CDC6-4E3B-8510-A21F9A87DC5D}" type="datetimeFigureOut">
               <a:rPr lang="fr-FR" smtClean="0"/>
-              <a:t>22/11/2023</a:t>
+              <a:t>14/12/2023</a:t>
             </a:fld>
             <a:endParaRPr lang="fr-FR"/>
           </a:p>
@@ -661,7 +667,7 @@
           <a:p>
             <a:fld id="{1B992516-CDC6-4E3B-8510-A21F9A87DC5D}" type="datetimeFigureOut">
               <a:rPr lang="fr-FR" smtClean="0"/>
-              <a:t>22/11/2023</a:t>
+              <a:t>14/12/2023</a:t>
             </a:fld>
             <a:endParaRPr lang="fr-FR"/>
           </a:p>
@@ -859,7 +865,7 @@
           <a:p>
             <a:fld id="{1B992516-CDC6-4E3B-8510-A21F9A87DC5D}" type="datetimeFigureOut">
               <a:rPr lang="fr-FR" smtClean="0"/>
-              <a:t>22/11/2023</a:t>
+              <a:t>14/12/2023</a:t>
             </a:fld>
             <a:endParaRPr lang="fr-FR"/>
           </a:p>
@@ -1134,7 +1140,7 @@
           <a:p>
             <a:fld id="{1B992516-CDC6-4E3B-8510-A21F9A87DC5D}" type="datetimeFigureOut">
               <a:rPr lang="fr-FR" smtClean="0"/>
-              <a:t>22/11/2023</a:t>
+              <a:t>14/12/2023</a:t>
             </a:fld>
             <a:endParaRPr lang="fr-FR"/>
           </a:p>
@@ -1399,7 +1405,7 @@
           <a:p>
             <a:fld id="{1B992516-CDC6-4E3B-8510-A21F9A87DC5D}" type="datetimeFigureOut">
               <a:rPr lang="fr-FR" smtClean="0"/>
-              <a:t>22/11/2023</a:t>
+              <a:t>14/12/2023</a:t>
             </a:fld>
             <a:endParaRPr lang="fr-FR"/>
           </a:p>
@@ -1811,7 +1817,7 @@
           <a:p>
             <a:fld id="{1B992516-CDC6-4E3B-8510-A21F9A87DC5D}" type="datetimeFigureOut">
               <a:rPr lang="fr-FR" smtClean="0"/>
-              <a:t>22/11/2023</a:t>
+              <a:t>14/12/2023</a:t>
             </a:fld>
             <a:endParaRPr lang="fr-FR"/>
           </a:p>
@@ -1952,7 +1958,7 @@
           <a:p>
             <a:fld id="{1B992516-CDC6-4E3B-8510-A21F9A87DC5D}" type="datetimeFigureOut">
               <a:rPr lang="fr-FR" smtClean="0"/>
-              <a:t>22/11/2023</a:t>
+              <a:t>14/12/2023</a:t>
             </a:fld>
             <a:endParaRPr lang="fr-FR"/>
           </a:p>
@@ -2065,7 +2071,7 @@
           <a:p>
             <a:fld id="{1B992516-CDC6-4E3B-8510-A21F9A87DC5D}" type="datetimeFigureOut">
               <a:rPr lang="fr-FR" smtClean="0"/>
-              <a:t>22/11/2023</a:t>
+              <a:t>14/12/2023</a:t>
             </a:fld>
             <a:endParaRPr lang="fr-FR"/>
           </a:p>
@@ -2376,7 +2382,7 @@
           <a:p>
             <a:fld id="{1B992516-CDC6-4E3B-8510-A21F9A87DC5D}" type="datetimeFigureOut">
               <a:rPr lang="fr-FR" smtClean="0"/>
-              <a:t>22/11/2023</a:t>
+              <a:t>14/12/2023</a:t>
             </a:fld>
             <a:endParaRPr lang="fr-FR"/>
           </a:p>
@@ -2664,7 +2670,7 @@
           <a:p>
             <a:fld id="{1B992516-CDC6-4E3B-8510-A21F9A87DC5D}" type="datetimeFigureOut">
               <a:rPr lang="fr-FR" smtClean="0"/>
-              <a:t>22/11/2023</a:t>
+              <a:t>14/12/2023</a:t>
             </a:fld>
             <a:endParaRPr lang="fr-FR"/>
           </a:p>
@@ -2905,7 +2911,7 @@
           <a:p>
             <a:fld id="{1B992516-CDC6-4E3B-8510-A21F9A87DC5D}" type="datetimeFigureOut">
               <a:rPr lang="fr-FR" smtClean="0"/>
-              <a:t>22/11/2023</a:t>
+              <a:t>14/12/2023</a:t>
             </a:fld>
             <a:endParaRPr lang="fr-FR"/>
           </a:p>
@@ -3751,14 +3757,48 @@
           <p:nvPr/>
         </p:nvPicPr>
         <p:blipFill>
-          <a:blip r:embed="rId4"/>
+          <a:blip r:embed="rId4">
+            <a:lum bright="70000" contrast="-70000"/>
+          </a:blip>
           <a:stretch>
             <a:fillRect/>
           </a:stretch>
         </p:blipFill>
         <p:spPr>
           <a:xfrm>
-            <a:off x="538527" y="3429000"/>
+            <a:off x="-233370" y="1484000"/>
+            <a:ext cx="10632346" cy="3792041"/>
+          </a:xfrm>
+          <a:prstGeom prst="rect">
+            <a:avLst/>
+          </a:prstGeom>
+        </p:spPr>
+      </p:pic>
+      <p:pic>
+        <p:nvPicPr>
+          <p:cNvPr id="4" name="Image 3">
+            <a:extLst>
+              <a:ext uri="{FF2B5EF4-FFF2-40B4-BE49-F238E27FC236}">
+                <a16:creationId xmlns:a16="http://schemas.microsoft.com/office/drawing/2014/main" id="{A9D04CF7-4A9C-60F4-2116-2671C34D78A7}"/>
+              </a:ext>
+            </a:extLst>
+          </p:cNvPr>
+          <p:cNvPicPr>
+            <a:picLocks noChangeAspect="1"/>
+          </p:cNvPicPr>
+          <p:nvPr/>
+        </p:nvPicPr>
+        <p:blipFill>
+          <a:blip r:embed="rId5">
+            <a:lum bright="70000" contrast="-70000"/>
+          </a:blip>
+          <a:stretch>
+            <a:fillRect/>
+          </a:stretch>
+        </p:blipFill>
+        <p:spPr>
+          <a:xfrm>
+            <a:off x="779827" y="1532979"/>
             <a:ext cx="10632346" cy="3792041"/>
           </a:xfrm>
           <a:prstGeom prst="rect">
@@ -4145,6 +4185,455 @@
     <p:extLst>
       <p:ext uri="{BB962C8B-B14F-4D97-AF65-F5344CB8AC3E}">
         <p14:creationId xmlns:p14="http://schemas.microsoft.com/office/powerpoint/2010/main" val="1135687278"/>
+      </p:ext>
+    </p:extLst>
+  </p:cSld>
+  <p:clrMapOvr>
+    <a:masterClrMapping/>
+  </p:clrMapOvr>
+</p:sld>
+</file>
+
+<file path=ppt/slides/slide3.xml><?xml version="1.0" encoding="utf-8"?>
+<p:sld xmlns:a="http://schemas.openxmlformats.org/drawingml/2006/main" xmlns:r="http://schemas.openxmlformats.org/officeDocument/2006/relationships" xmlns:p="http://schemas.openxmlformats.org/presentationml/2006/main">
+  <p:cSld>
+    <p:spTree>
+      <p:nvGrpSpPr>
+        <p:cNvPr id="1" name=""/>
+        <p:cNvGrpSpPr/>
+        <p:nvPr/>
+      </p:nvGrpSpPr>
+      <p:grpSpPr>
+        <a:xfrm>
+          <a:off x="0" y="0"/>
+          <a:ext cx="0" cy="0"/>
+          <a:chOff x="0" y="0"/>
+          <a:chExt cx="0" cy="0"/>
+        </a:xfrm>
+      </p:grpSpPr>
+      <p:sp>
+        <p:nvSpPr>
+          <p:cNvPr id="4" name="Rectangle 3">
+            <a:extLst>
+              <a:ext uri="{FF2B5EF4-FFF2-40B4-BE49-F238E27FC236}">
+                <a16:creationId xmlns:a16="http://schemas.microsoft.com/office/drawing/2014/main" id="{0D0940E6-492B-6E6E-4176-6A8C7E9FD484}"/>
+              </a:ext>
+            </a:extLst>
+          </p:cNvPr>
+          <p:cNvSpPr/>
+          <p:nvPr/>
+        </p:nvSpPr>
+        <p:spPr>
+          <a:xfrm>
+            <a:off x="3082772" y="1919247"/>
+            <a:ext cx="3217653" cy="3217653"/>
+          </a:xfrm>
+          <a:prstGeom prst="rect">
+            <a:avLst/>
+          </a:prstGeom>
+          <a:noFill/>
+          <a:ln>
+            <a:noFill/>
+          </a:ln>
+        </p:spPr>
+        <p:style>
+          <a:lnRef idx="2">
+            <a:schemeClr val="accent1">
+              <a:shade val="15000"/>
+            </a:schemeClr>
+          </a:lnRef>
+          <a:fillRef idx="1">
+            <a:schemeClr val="accent1"/>
+          </a:fillRef>
+          <a:effectRef idx="0">
+            <a:schemeClr val="accent1"/>
+          </a:effectRef>
+          <a:fontRef idx="minor">
+            <a:schemeClr val="lt1"/>
+          </a:fontRef>
+        </p:style>
+        <p:txBody>
+          <a:bodyPr rtlCol="0" anchor="ctr"/>
+          <a:lstStyle>
+            <a:defPPr>
+              <a:defRPr lang="fr-FR"/>
+            </a:defPPr>
+            <a:lvl1pPr marL="0" algn="l" defTabSz="914400" rtl="0" eaLnBrk="1" latinLnBrk="0" hangingPunct="1">
+              <a:defRPr sz="1800" kern="1200">
+                <a:solidFill>
+                  <a:schemeClr val="lt1"/>
+                </a:solidFill>
+                <a:latin typeface="+mn-lt"/>
+                <a:ea typeface="+mn-ea"/>
+                <a:cs typeface="+mn-cs"/>
+              </a:defRPr>
+            </a:lvl1pPr>
+            <a:lvl2pPr marL="457200" algn="l" defTabSz="914400" rtl="0" eaLnBrk="1" latinLnBrk="0" hangingPunct="1">
+              <a:defRPr sz="1800" kern="1200">
+                <a:solidFill>
+                  <a:schemeClr val="lt1"/>
+                </a:solidFill>
+                <a:latin typeface="+mn-lt"/>
+                <a:ea typeface="+mn-ea"/>
+                <a:cs typeface="+mn-cs"/>
+              </a:defRPr>
+            </a:lvl2pPr>
+            <a:lvl3pPr marL="914400" algn="l" defTabSz="914400" rtl="0" eaLnBrk="1" latinLnBrk="0" hangingPunct="1">
+              <a:defRPr sz="1800" kern="1200">
+                <a:solidFill>
+                  <a:schemeClr val="lt1"/>
+                </a:solidFill>
+                <a:latin typeface="+mn-lt"/>
+                <a:ea typeface="+mn-ea"/>
+                <a:cs typeface="+mn-cs"/>
+              </a:defRPr>
+            </a:lvl3pPr>
+            <a:lvl4pPr marL="1371600" algn="l" defTabSz="914400" rtl="0" eaLnBrk="1" latinLnBrk="0" hangingPunct="1">
+              <a:defRPr sz="1800" kern="1200">
+                <a:solidFill>
+                  <a:schemeClr val="lt1"/>
+                </a:solidFill>
+                <a:latin typeface="+mn-lt"/>
+                <a:ea typeface="+mn-ea"/>
+                <a:cs typeface="+mn-cs"/>
+              </a:defRPr>
+            </a:lvl4pPr>
+            <a:lvl5pPr marL="1828800" algn="l" defTabSz="914400" rtl="0" eaLnBrk="1" latinLnBrk="0" hangingPunct="1">
+              <a:defRPr sz="1800" kern="1200">
+                <a:solidFill>
+                  <a:schemeClr val="lt1"/>
+                </a:solidFill>
+                <a:latin typeface="+mn-lt"/>
+                <a:ea typeface="+mn-ea"/>
+                <a:cs typeface="+mn-cs"/>
+              </a:defRPr>
+            </a:lvl5pPr>
+            <a:lvl6pPr marL="2286000" algn="l" defTabSz="914400" rtl="0" eaLnBrk="1" latinLnBrk="0" hangingPunct="1">
+              <a:defRPr sz="1800" kern="1200">
+                <a:solidFill>
+                  <a:schemeClr val="lt1"/>
+                </a:solidFill>
+                <a:latin typeface="+mn-lt"/>
+                <a:ea typeface="+mn-ea"/>
+                <a:cs typeface="+mn-cs"/>
+              </a:defRPr>
+            </a:lvl6pPr>
+            <a:lvl7pPr marL="2743200" algn="l" defTabSz="914400" rtl="0" eaLnBrk="1" latinLnBrk="0" hangingPunct="1">
+              <a:defRPr sz="1800" kern="1200">
+                <a:solidFill>
+                  <a:schemeClr val="lt1"/>
+                </a:solidFill>
+                <a:latin typeface="+mn-lt"/>
+                <a:ea typeface="+mn-ea"/>
+                <a:cs typeface="+mn-cs"/>
+              </a:defRPr>
+            </a:lvl7pPr>
+            <a:lvl8pPr marL="3200400" algn="l" defTabSz="914400" rtl="0" eaLnBrk="1" latinLnBrk="0" hangingPunct="1">
+              <a:defRPr sz="1800" kern="1200">
+                <a:solidFill>
+                  <a:schemeClr val="lt1"/>
+                </a:solidFill>
+                <a:latin typeface="+mn-lt"/>
+                <a:ea typeface="+mn-ea"/>
+                <a:cs typeface="+mn-cs"/>
+              </a:defRPr>
+            </a:lvl8pPr>
+            <a:lvl9pPr marL="3657600" algn="l" defTabSz="914400" rtl="0" eaLnBrk="1" latinLnBrk="0" hangingPunct="1">
+              <a:defRPr sz="1800" kern="1200">
+                <a:solidFill>
+                  <a:schemeClr val="lt1"/>
+                </a:solidFill>
+                <a:latin typeface="+mn-lt"/>
+                <a:ea typeface="+mn-ea"/>
+                <a:cs typeface="+mn-cs"/>
+              </a:defRPr>
+            </a:lvl9pPr>
+          </a:lstStyle>
+          <a:p>
+            <a:pPr algn="ctr"/>
+            <a:endParaRPr lang="fr-FR"/>
+          </a:p>
+        </p:txBody>
+      </p:sp>
+      <p:sp>
+        <p:nvSpPr>
+          <p:cNvPr id="5" name="Rectangle 4">
+            <a:extLst>
+              <a:ext uri="{FF2B5EF4-FFF2-40B4-BE49-F238E27FC236}">
+                <a16:creationId xmlns:a16="http://schemas.microsoft.com/office/drawing/2014/main" id="{10BC2241-E139-631C-EE79-E322004CF63B}"/>
+              </a:ext>
+            </a:extLst>
+          </p:cNvPr>
+          <p:cNvSpPr/>
+          <p:nvPr/>
+        </p:nvSpPr>
+        <p:spPr>
+          <a:xfrm>
+            <a:off x="6979036" y="1919247"/>
+            <a:ext cx="3217653" cy="3217653"/>
+          </a:xfrm>
+          <a:prstGeom prst="rect">
+            <a:avLst/>
+          </a:prstGeom>
+          <a:noFill/>
+          <a:ln>
+            <a:noFill/>
+          </a:ln>
+        </p:spPr>
+        <p:style>
+          <a:lnRef idx="2">
+            <a:schemeClr val="accent1">
+              <a:shade val="15000"/>
+            </a:schemeClr>
+          </a:lnRef>
+          <a:fillRef idx="1">
+            <a:schemeClr val="accent1"/>
+          </a:fillRef>
+          <a:effectRef idx="0">
+            <a:schemeClr val="accent1"/>
+          </a:effectRef>
+          <a:fontRef idx="minor">
+            <a:schemeClr val="lt1"/>
+          </a:fontRef>
+        </p:style>
+        <p:txBody>
+          <a:bodyPr rtlCol="0" anchor="ctr"/>
+          <a:lstStyle>
+            <a:defPPr>
+              <a:defRPr lang="fr-FR"/>
+            </a:defPPr>
+            <a:lvl1pPr marL="0" algn="l" defTabSz="914400" rtl="0" eaLnBrk="1" latinLnBrk="0" hangingPunct="1">
+              <a:defRPr sz="1800" kern="1200">
+                <a:solidFill>
+                  <a:schemeClr val="lt1"/>
+                </a:solidFill>
+                <a:latin typeface="+mn-lt"/>
+                <a:ea typeface="+mn-ea"/>
+                <a:cs typeface="+mn-cs"/>
+              </a:defRPr>
+            </a:lvl1pPr>
+            <a:lvl2pPr marL="457200" algn="l" defTabSz="914400" rtl="0" eaLnBrk="1" latinLnBrk="0" hangingPunct="1">
+              <a:defRPr sz="1800" kern="1200">
+                <a:solidFill>
+                  <a:schemeClr val="lt1"/>
+                </a:solidFill>
+                <a:latin typeface="+mn-lt"/>
+                <a:ea typeface="+mn-ea"/>
+                <a:cs typeface="+mn-cs"/>
+              </a:defRPr>
+            </a:lvl2pPr>
+            <a:lvl3pPr marL="914400" algn="l" defTabSz="914400" rtl="0" eaLnBrk="1" latinLnBrk="0" hangingPunct="1">
+              <a:defRPr sz="1800" kern="1200">
+                <a:solidFill>
+                  <a:schemeClr val="lt1"/>
+                </a:solidFill>
+                <a:latin typeface="+mn-lt"/>
+                <a:ea typeface="+mn-ea"/>
+                <a:cs typeface="+mn-cs"/>
+              </a:defRPr>
+            </a:lvl3pPr>
+            <a:lvl4pPr marL="1371600" algn="l" defTabSz="914400" rtl="0" eaLnBrk="1" latinLnBrk="0" hangingPunct="1">
+              <a:defRPr sz="1800" kern="1200">
+                <a:solidFill>
+                  <a:schemeClr val="lt1"/>
+                </a:solidFill>
+                <a:latin typeface="+mn-lt"/>
+                <a:ea typeface="+mn-ea"/>
+                <a:cs typeface="+mn-cs"/>
+              </a:defRPr>
+            </a:lvl4pPr>
+            <a:lvl5pPr marL="1828800" algn="l" defTabSz="914400" rtl="0" eaLnBrk="1" latinLnBrk="0" hangingPunct="1">
+              <a:defRPr sz="1800" kern="1200">
+                <a:solidFill>
+                  <a:schemeClr val="lt1"/>
+                </a:solidFill>
+                <a:latin typeface="+mn-lt"/>
+                <a:ea typeface="+mn-ea"/>
+                <a:cs typeface="+mn-cs"/>
+              </a:defRPr>
+            </a:lvl5pPr>
+            <a:lvl6pPr marL="2286000" algn="l" defTabSz="914400" rtl="0" eaLnBrk="1" latinLnBrk="0" hangingPunct="1">
+              <a:defRPr sz="1800" kern="1200">
+                <a:solidFill>
+                  <a:schemeClr val="lt1"/>
+                </a:solidFill>
+                <a:latin typeface="+mn-lt"/>
+                <a:ea typeface="+mn-ea"/>
+                <a:cs typeface="+mn-cs"/>
+              </a:defRPr>
+            </a:lvl6pPr>
+            <a:lvl7pPr marL="2743200" algn="l" defTabSz="914400" rtl="0" eaLnBrk="1" latinLnBrk="0" hangingPunct="1">
+              <a:defRPr sz="1800" kern="1200">
+                <a:solidFill>
+                  <a:schemeClr val="lt1"/>
+                </a:solidFill>
+                <a:latin typeface="+mn-lt"/>
+                <a:ea typeface="+mn-ea"/>
+                <a:cs typeface="+mn-cs"/>
+              </a:defRPr>
+            </a:lvl7pPr>
+            <a:lvl8pPr marL="3200400" algn="l" defTabSz="914400" rtl="0" eaLnBrk="1" latinLnBrk="0" hangingPunct="1">
+              <a:defRPr sz="1800" kern="1200">
+                <a:solidFill>
+                  <a:schemeClr val="lt1"/>
+                </a:solidFill>
+                <a:latin typeface="+mn-lt"/>
+                <a:ea typeface="+mn-ea"/>
+                <a:cs typeface="+mn-cs"/>
+              </a:defRPr>
+            </a:lvl8pPr>
+            <a:lvl9pPr marL="3657600" algn="l" defTabSz="914400" rtl="0" eaLnBrk="1" latinLnBrk="0" hangingPunct="1">
+              <a:defRPr sz="1800" kern="1200">
+                <a:solidFill>
+                  <a:schemeClr val="lt1"/>
+                </a:solidFill>
+                <a:latin typeface="+mn-lt"/>
+                <a:ea typeface="+mn-ea"/>
+                <a:cs typeface="+mn-cs"/>
+              </a:defRPr>
+            </a:lvl9pPr>
+          </a:lstStyle>
+          <a:p>
+            <a:pPr algn="ctr"/>
+            <a:endParaRPr lang="fr-FR"/>
+          </a:p>
+        </p:txBody>
+      </p:sp>
+      <p:pic>
+        <p:nvPicPr>
+          <p:cNvPr id="6" name="Image 5" descr="Une image contenant cercle, Graphique, clipart, dessin humoristique&#10;&#10;Description générée automatiquement">
+            <a:extLst>
+              <a:ext uri="{FF2B5EF4-FFF2-40B4-BE49-F238E27FC236}">
+                <a16:creationId xmlns:a16="http://schemas.microsoft.com/office/drawing/2014/main" id="{1670C8DC-0B40-095A-189E-57EDE14B0D77}"/>
+              </a:ext>
+            </a:extLst>
+          </p:cNvPr>
+          <p:cNvPicPr>
+            <a:picLocks noChangeAspect="1"/>
+          </p:cNvPicPr>
+          <p:nvPr/>
+        </p:nvPicPr>
+        <p:blipFill>
+          <a:blip r:embed="rId2">
+            <a:extLst>
+              <a:ext uri="{28A0092B-C50C-407E-A947-70E740481C1C}">
+                <a14:useLocalDpi xmlns:a14="http://schemas.microsoft.com/office/drawing/2010/main" val="0"/>
+              </a:ext>
+            </a:extLst>
+          </a:blip>
+          <a:stretch>
+            <a:fillRect/>
+          </a:stretch>
+        </p:blipFill>
+        <p:spPr>
+          <a:xfrm>
+            <a:off x="7289586" y="2204134"/>
+            <a:ext cx="2596551" cy="2837659"/>
+          </a:xfrm>
+          <a:prstGeom prst="rect">
+            <a:avLst/>
+          </a:prstGeom>
+        </p:spPr>
+      </p:pic>
+      <p:pic>
+        <p:nvPicPr>
+          <p:cNvPr id="7" name="Image 6" descr="Une image contenant dessin, crâne, dessin humoristique, illustration&#10;&#10;Description générée automatiquement">
+            <a:extLst>
+              <a:ext uri="{FF2B5EF4-FFF2-40B4-BE49-F238E27FC236}">
+                <a16:creationId xmlns:a16="http://schemas.microsoft.com/office/drawing/2014/main" id="{DED1B90F-B402-0F97-DAE3-C0D43D4DE2AE}"/>
+              </a:ext>
+            </a:extLst>
+          </p:cNvPr>
+          <p:cNvPicPr>
+            <a:picLocks noChangeAspect="1"/>
+          </p:cNvPicPr>
+          <p:nvPr/>
+        </p:nvPicPr>
+        <p:blipFill rotWithShape="1">
+          <a:blip r:embed="rId3">
+            <a:extLst>
+              <a:ext uri="{28A0092B-C50C-407E-A947-70E740481C1C}">
+                <a14:useLocalDpi xmlns:a14="http://schemas.microsoft.com/office/drawing/2010/main" val="0"/>
+              </a:ext>
+            </a:extLst>
+          </a:blip>
+          <a:srcRect l="17931" r="24423" b="71717"/>
+          <a:stretch/>
+        </p:blipFill>
+        <p:spPr>
+          <a:xfrm>
+            <a:off x="3318095" y="2204134"/>
+            <a:ext cx="2680405" cy="2803291"/>
+          </a:xfrm>
+          <a:prstGeom prst="rect">
+            <a:avLst/>
+          </a:prstGeom>
+        </p:spPr>
+      </p:pic>
+      <p:pic>
+        <p:nvPicPr>
+          <p:cNvPr id="8" name="Image 7">
+            <a:extLst>
+              <a:ext uri="{FF2B5EF4-FFF2-40B4-BE49-F238E27FC236}">
+                <a16:creationId xmlns:a16="http://schemas.microsoft.com/office/drawing/2014/main" id="{30999589-66A7-FC25-B41A-ABAD08D72211}"/>
+              </a:ext>
+            </a:extLst>
+          </p:cNvPr>
+          <p:cNvPicPr>
+            <a:picLocks noChangeAspect="1"/>
+          </p:cNvPicPr>
+          <p:nvPr/>
+        </p:nvPicPr>
+        <p:blipFill>
+          <a:blip r:embed="rId4"/>
+          <a:stretch>
+            <a:fillRect/>
+          </a:stretch>
+        </p:blipFill>
+        <p:spPr>
+          <a:xfrm>
+            <a:off x="1995311" y="1625552"/>
+            <a:ext cx="3218967" cy="3218967"/>
+          </a:xfrm>
+          <a:prstGeom prst="rect">
+            <a:avLst/>
+          </a:prstGeom>
+        </p:spPr>
+      </p:pic>
+      <p:pic>
+        <p:nvPicPr>
+          <p:cNvPr id="9" name="Image 8">
+            <a:extLst>
+              <a:ext uri="{FF2B5EF4-FFF2-40B4-BE49-F238E27FC236}">
+                <a16:creationId xmlns:a16="http://schemas.microsoft.com/office/drawing/2014/main" id="{07A7792B-FD73-83AD-D8BD-6B37889956B9}"/>
+              </a:ext>
+            </a:extLst>
+          </p:cNvPr>
+          <p:cNvPicPr>
+            <a:picLocks noChangeAspect="1"/>
+          </p:cNvPicPr>
+          <p:nvPr/>
+        </p:nvPicPr>
+        <p:blipFill>
+          <a:blip r:embed="rId5"/>
+          <a:stretch>
+            <a:fillRect/>
+          </a:stretch>
+        </p:blipFill>
+        <p:spPr>
+          <a:xfrm>
+            <a:off x="5593839" y="2013480"/>
+            <a:ext cx="3218967" cy="3218967"/>
+          </a:xfrm>
+          <a:prstGeom prst="rect">
+            <a:avLst/>
+          </a:prstGeom>
+        </p:spPr>
+      </p:pic>
+    </p:spTree>
+    <p:extLst>
+      <p:ext uri="{BB962C8B-B14F-4D97-AF65-F5344CB8AC3E}">
+        <p14:creationId xmlns:p14="http://schemas.microsoft.com/office/powerpoint/2010/main" val="710503732"/>
       </p:ext>
     </p:extLst>
   </p:cSld>
